--- a/미니프로젝트계획서.pptx
+++ b/미니프로젝트계획서.pptx
@@ -224,7 +224,7 @@
           <a:p>
             <a:fld id="{AA329D95-E9E3-4552-957F-C7B8CD71DED8}" type="datetimeFigureOut">
               <a:rPr lang="ko-KR" altLang="en-US" smtClean="0"/>
-              <a:t>2025-09-05</a:t>
+              <a:t>2025-12-23</a:t>
             </a:fld>
             <a:endParaRPr lang="ko-KR" altLang="en-US"/>
           </a:p>
@@ -402,7 +402,7 @@
           <a:p>
             <a:fld id="{A90F0C81-324A-46ED-B73B-81B80D72A858}" type="datetimeFigureOut">
               <a:rPr lang="ko-KR" altLang="en-US" smtClean="0"/>
-              <a:t>2025-09-05</a:t>
+              <a:t>2025-12-23</a:t>
             </a:fld>
             <a:endParaRPr lang="ko-KR" altLang="en-US"/>
           </a:p>
@@ -817,7 +817,7 @@
           <a:p>
             <a:fld id="{A3A35539-0D9D-4F39-A215-82A46FF80F52}" type="datetimeFigureOut">
               <a:rPr lang="ko-KR" altLang="en-US" smtClean="0"/>
-              <a:t>2025-09-05</a:t>
+              <a:t>2025-12-23</a:t>
             </a:fld>
             <a:endParaRPr lang="ko-KR" altLang="en-US"/>
           </a:p>
@@ -1015,7 +1015,7 @@
           <a:p>
             <a:fld id="{A3A35539-0D9D-4F39-A215-82A46FF80F52}" type="datetimeFigureOut">
               <a:rPr lang="ko-KR" altLang="en-US" smtClean="0"/>
-              <a:t>2025-09-05</a:t>
+              <a:t>2025-12-23</a:t>
             </a:fld>
             <a:endParaRPr lang="ko-KR" altLang="en-US"/>
           </a:p>
@@ -1290,7 +1290,7 @@
           <a:p>
             <a:fld id="{A3A35539-0D9D-4F39-A215-82A46FF80F52}" type="datetimeFigureOut">
               <a:rPr lang="ko-KR" altLang="en-US" smtClean="0"/>
-              <a:t>2025-09-05</a:t>
+              <a:t>2025-12-23</a:t>
             </a:fld>
             <a:endParaRPr lang="ko-KR" altLang="en-US"/>
           </a:p>
@@ -1431,7 +1431,7 @@
           <a:p>
             <a:fld id="{A3A35539-0D9D-4F39-A215-82A46FF80F52}" type="datetimeFigureOut">
               <a:rPr lang="ko-KR" altLang="en-US" smtClean="0"/>
-              <a:t>2025-09-05</a:t>
+              <a:t>2025-12-23</a:t>
             </a:fld>
             <a:endParaRPr lang="ko-KR" altLang="en-US"/>
           </a:p>
@@ -2543,7 +2543,7 @@
           <a:p>
             <a:fld id="{A3A35539-0D9D-4F39-A215-82A46FF80F52}" type="datetimeFigureOut">
               <a:rPr lang="ko-KR" altLang="en-US" smtClean="0"/>
-              <a:t>2025-09-05</a:t>
+              <a:t>2025-12-23</a:t>
             </a:fld>
             <a:endParaRPr lang="ko-KR" altLang="en-US"/>
           </a:p>
@@ -3014,7 +3014,7 @@
             </a:r>
             <a:r>
               <a:rPr lang="ko-KR" altLang="en-US" dirty="0"/>
-              <a:t>홍길동</a:t>
+              <a:t>박민규</a:t>
             </a:r>
             <a:endParaRPr lang="en-US" altLang="ko-KR" dirty="0"/>
           </a:p>
@@ -3030,7 +3030,7 @@
             </a:r>
             <a:r>
               <a:rPr lang="ko-KR" altLang="en-US" dirty="0" err="1"/>
-              <a:t>홍이동</a:t>
+              <a:t>김향자</a:t>
             </a:r>
             <a:endParaRPr lang="ko-KR" altLang="en-US" dirty="0"/>
           </a:p>
